--- a/rss_advanced_text_processing.pptx
+++ b/rss_advanced_text_processing.pptx
@@ -973,7 +973,7 @@
               <a:buChar char="-"/>
             </a:pPr>
             <a:r>
-              <a:rPr lang="zh-CN" sz="1050">
+              <a:rPr lang="zh-CN" sz="1050" dirty="0">
                 <a:solidFill>
                   <a:schemeClr val="dk1"/>
                 </a:solidFill>
@@ -983,7 +983,7 @@
               </a:rPr>
               <a:t>Using TF is problematic because words that are frequent but not necessarily useful (e.g. the) will have a high score. TF-IDF, combines TF and IDF, which measures the how rare a word is across articles to solve the limitation.</a:t>
             </a:r>
-            <a:endParaRPr sz="1050">
+            <a:endParaRPr sz="1050" dirty="0">
               <a:solidFill>
                 <a:schemeClr val="dk1"/>
               </a:solidFill>
@@ -1007,7 +1007,7 @@
               <a:buChar char="-"/>
             </a:pPr>
             <a:r>
-              <a:rPr lang="zh-CN" sz="1050">
+              <a:rPr lang="zh-CN" sz="1050" dirty="0">
                 <a:solidFill>
                   <a:schemeClr val="dk1"/>
                 </a:solidFill>
@@ -1018,14 +1018,14 @@
               <a:t>Uses the same model as TF (</a:t>
             </a:r>
             <a:r>
-              <a:rPr lang="zh-CN">
+              <a:rPr lang="zh-CN" dirty="0">
                 <a:solidFill>
                   <a:schemeClr val="dk1"/>
                 </a:solidFill>
               </a:rPr>
               <a:t>TfidfVectorizer) with is_idf parameter set to true</a:t>
             </a:r>
-            <a:endParaRPr>
+            <a:endParaRPr dirty="0">
               <a:solidFill>
                 <a:schemeClr val="dk1"/>
               </a:solidFill>
@@ -1046,14 +1046,14 @@
               <a:buChar char="-"/>
             </a:pPr>
             <a:r>
-              <a:rPr lang="zh-CN">
+              <a:rPr lang="zh-CN" dirty="0">
                 <a:solidFill>
                   <a:schemeClr val="dk1"/>
                 </a:solidFill>
               </a:rPr>
               <a:t>If the features being represented are quite different, vectorize them separately</a:t>
             </a:r>
-            <a:endParaRPr>
+            <a:endParaRPr dirty="0">
               <a:solidFill>
                 <a:schemeClr val="dk1"/>
               </a:solidFill>
@@ -6914,11 +6914,11 @@
       </p:pic>
       <p:pic>
         <p:nvPicPr>
-          <p:cNvPr id="12" name="Audio 11">
+          <p:cNvPr id="2" name="Audio 1">
             <a:hlinkClick r:id="" action="ppaction://media"/>
             <a:extLst>
               <a:ext uri="{FF2B5EF4-FFF2-40B4-BE49-F238E27FC236}">
-                <a16:creationId xmlns:a16="http://schemas.microsoft.com/office/drawing/2014/main" id="{6B44524A-5426-4CDB-B2C8-0E07A50D9AEF}"/>
+                <a16:creationId xmlns:a16="http://schemas.microsoft.com/office/drawing/2014/main" id="{492AA31C-3586-43C6-AEB2-AF78E83045B0}"/>
               </a:ext>
             </a:extLst>
           </p:cNvPr>
@@ -6957,10 +6957,10 @@
   </p:clrMapOvr>
   <mc:AlternateContent xmlns:mc="http://schemas.openxmlformats.org/markup-compatibility/2006">
     <mc:Choice xmlns:p14="http://schemas.microsoft.com/office/powerpoint/2010/main" Requires="p14">
-      <p:transition spd="slow" p14:dur="2000" advTm="21197"/>
+      <p:transition spd="slow" p14:dur="2000" advTm="37230"/>
     </mc:Choice>
     <mc:Fallback>
-      <p:transition spd="slow" advTm="21197"/>
+      <p:transition spd="slow" advTm="37230"/>
     </mc:Fallback>
   </mc:AlternateContent>
   <p:timing>
@@ -6996,7 +6996,7 @@
                                       <p:cBhvr>
                                         <p:cTn id="6" dur="1" fill="hold"/>
                                         <p:tgtEl>
-                                          <p:spTgt spid="12"/>
+                                          <p:spTgt spid="2"/>
                                         </p:tgtEl>
                                       </p:cBhvr>
                                     </p:cmd>
@@ -7041,7 +7041,7 @@
                   </p:endCondLst>
                 </p:cTn>
                 <p:tgtEl>
-                  <p:spTgt spid="12"/>
+                  <p:spTgt spid="2"/>
                 </p:tgtEl>
               </p:cMediaNode>
             </p:audio>
@@ -7184,11 +7184,11 @@
       </p:pic>
       <p:pic>
         <p:nvPicPr>
-          <p:cNvPr id="4" name="Audio 3">
+          <p:cNvPr id="8" name="Audio 7">
             <a:hlinkClick r:id="" action="ppaction://media"/>
             <a:extLst>
               <a:ext uri="{FF2B5EF4-FFF2-40B4-BE49-F238E27FC236}">
-                <a16:creationId xmlns:a16="http://schemas.microsoft.com/office/drawing/2014/main" id="{1B4DDB1A-8D7F-4CE0-A481-CA0B5E7B9451}"/>
+                <a16:creationId xmlns:a16="http://schemas.microsoft.com/office/drawing/2014/main" id="{44840CFB-B405-41C6-8EC8-807F2D213FCA}"/>
               </a:ext>
             </a:extLst>
           </p:cNvPr>
@@ -7227,10 +7227,10 @@
   </p:clrMapOvr>
   <mc:AlternateContent xmlns:mc="http://schemas.openxmlformats.org/markup-compatibility/2006">
     <mc:Choice xmlns:p14="http://schemas.microsoft.com/office/powerpoint/2010/main" Requires="p14">
-      <p:transition spd="slow" p14:dur="2000" advTm="20295"/>
+      <p:transition spd="slow" p14:dur="2000" advTm="22497"/>
     </mc:Choice>
     <mc:Fallback>
-      <p:transition spd="slow" advTm="20295"/>
+      <p:transition spd="slow" advTm="22497"/>
     </mc:Fallback>
   </mc:AlternateContent>
   <p:timing>
@@ -7266,7 +7266,7 @@
                                       <p:cBhvr>
                                         <p:cTn id="6" dur="1" fill="hold"/>
                                         <p:tgtEl>
-                                          <p:spTgt spid="4"/>
+                                          <p:spTgt spid="8"/>
                                         </p:tgtEl>
                                       </p:cBhvr>
                                     </p:cmd>
@@ -7311,7 +7311,7 @@
                   </p:endCondLst>
                 </p:cTn>
                 <p:tgtEl>
-                  <p:spTgt spid="4"/>
+                  <p:spTgt spid="8"/>
                 </p:tgtEl>
               </p:cMediaNode>
             </p:audio>
@@ -7495,11 +7495,11 @@
   <p:clrMapOvr>
     <a:masterClrMapping/>
   </p:clrMapOvr>
-  <mc:AlternateContent xmlns:mc="http://schemas.openxmlformats.org/markup-compatibility/2006">
-    <mc:Choice xmlns:p14="http://schemas.microsoft.com/office/powerpoint/2010/main" Requires="p14">
+  <mc:AlternateContent xmlns:mc="http://schemas.openxmlformats.org/markup-compatibility/2006" xmlns:p14="http://schemas.microsoft.com/office/powerpoint/2010/main">
+    <mc:Choice Requires="p14">
       <p:transition spd="slow" p14:dur="2000" advTm="63095"/>
     </mc:Choice>
-    <mc:Fallback>
+    <mc:Fallback xmlns="">
       <p:transition spd="slow" advTm="63095"/>
     </mc:Fallback>
   </mc:AlternateContent>
